--- a/Teleconference/20190225/agenda.pptx
+++ b/Teleconference/20190225/agenda.pptx
@@ -2278,216 +2278,6 @@
           <a:chExt cx="0" cy="0"/>
         </a:xfrm>
       </p:grpSpPr>
-      <p:grpSp>
-        <p:nvGrpSpPr>
-          <p:cNvPr id="4" name="Group 46"/>
-          <p:cNvGrpSpPr>
-            <a:grpSpLocks/>
-          </p:cNvGrpSpPr>
-          <p:nvPr userDrawn="1"/>
-        </p:nvGrpSpPr>
-        <p:grpSpPr bwMode="auto">
-          <a:xfrm>
-            <a:off x="198438" y="1012825"/>
-            <a:ext cx="8747126" cy="5543550"/>
-            <a:chOff x="125" y="638"/>
-            <a:chExt cx="5510" cy="3492"/>
-          </a:xfrm>
-        </p:grpSpPr>
-        <p:sp>
-          <p:nvSpPr>
-            <p:cNvPr id="5" name="Rectangle 10"/>
-            <p:cNvSpPr>
-              <a:spLocks noChangeArrowheads="1"/>
-            </p:cNvSpPr>
-            <p:nvPr userDrawn="1"/>
-          </p:nvSpPr>
-          <p:spPr bwMode="auto">
-            <a:xfrm>
-              <a:off x="125" y="638"/>
-              <a:ext cx="5510" cy="3492"/>
-            </a:xfrm>
-            <a:prstGeom prst="rect">
-              <a:avLst/>
-            </a:prstGeom>
-            <a:noFill/>
-            <a:ln w="3175">
-              <a:solidFill>
-                <a:srgbClr val="FF0000"/>
-              </a:solidFill>
-              <a:miter lim="800000"/>
-              <a:headEnd/>
-              <a:tailEnd/>
-            </a:ln>
-            <a:effectLst/>
-          </p:spPr>
-          <p:txBody>
-            <a:bodyPr wrap="none" anchor="ctr"/>
-            <a:lstStyle/>
-            <a:p>
-              <a:pPr algn="l">
-                <a:lnSpc>
-                  <a:spcPct val="90000"/>
-                </a:lnSpc>
-                <a:defRPr/>
-              </a:pPr>
-              <a:endParaRPr lang="ja-JP" altLang="en-US" dirty="0"/>
-            </a:p>
-          </p:txBody>
-        </p:sp>
-        <p:sp>
-          <p:nvSpPr>
-            <p:cNvPr id="6" name="Text Box 21"/>
-            <p:cNvSpPr txBox="1">
-              <a:spLocks noChangeArrowheads="1"/>
-            </p:cNvSpPr>
-            <p:nvPr userDrawn="1"/>
-          </p:nvSpPr>
-          <p:spPr bwMode="auto">
-            <a:xfrm>
-              <a:off x="160" y="3472"/>
-              <a:ext cx="2594" cy="640"/>
-            </a:xfrm>
-            <a:prstGeom prst="rect">
-              <a:avLst/>
-            </a:prstGeom>
-            <a:noFill/>
-            <a:ln w="9525">
-              <a:noFill/>
-              <a:miter lim="800000"/>
-              <a:headEnd/>
-              <a:tailEnd/>
-            </a:ln>
-          </p:spPr>
-          <p:txBody>
-            <a:bodyPr wrap="none" anchor="b" anchorCtr="0">
-              <a:spAutoFit/>
-            </a:bodyPr>
-            <a:lstStyle/>
-            <a:p>
-              <a:pPr algn="l" eaLnBrk="0" hangingPunct="0">
-                <a:defRPr/>
-              </a:pPr>
-              <a:r>
-                <a:rPr kumimoji="1" lang="en-US" altLang="ja-JP" sz="1000" kern="1200" dirty="0">
-                  <a:solidFill>
-                    <a:srgbClr val="FF0000"/>
-                  </a:solidFill>
-                  <a:latin typeface="Arial" charset="0"/>
-                  <a:ea typeface="ＭＳ ゴシック" pitchFamily="49" charset="-128"/>
-                  <a:cs typeface="+mn-cs"/>
-                </a:rPr>
-                <a:t>Note:</a:t>
-              </a:r>
-            </a:p>
-            <a:p>
-              <a:pPr algn="l" eaLnBrk="0" hangingPunct="0">
-                <a:defRPr/>
-              </a:pPr>
-              <a:r>
-                <a:rPr kumimoji="1" lang="en-US" altLang="ja-JP" sz="1000" kern="1200" dirty="0">
-                  <a:solidFill>
-                    <a:srgbClr val="FF0000"/>
-                  </a:solidFill>
-                  <a:latin typeface="Arial" charset="0"/>
-                  <a:ea typeface="ＭＳ ゴシック" pitchFamily="49" charset="-128"/>
-                  <a:cs typeface="+mn-cs"/>
-                </a:rPr>
-                <a:t>Red frame is the content area. Please layout within this frame.</a:t>
-              </a:r>
-            </a:p>
-            <a:p>
-              <a:pPr algn="l" eaLnBrk="0" hangingPunct="0">
-                <a:defRPr/>
-              </a:pPr>
-              <a:r>
-                <a:rPr kumimoji="1" lang="en-US" altLang="ja-JP" sz="1000" kern="1200" dirty="0">
-                  <a:solidFill>
-                    <a:srgbClr val="FF0000"/>
-                  </a:solidFill>
-                  <a:latin typeface="Arial" charset="0"/>
-                  <a:ea typeface="ＭＳ ゴシック" pitchFamily="49" charset="-128"/>
-                  <a:cs typeface="+mn-cs"/>
-                </a:rPr>
-                <a:t>After you finish editing, please delete it.</a:t>
-              </a:r>
-            </a:p>
-            <a:p>
-              <a:pPr algn="l" eaLnBrk="0" hangingPunct="0">
-                <a:defRPr/>
-              </a:pPr>
-              <a:endParaRPr kumimoji="1" lang="en-US" altLang="ja-JP" sz="1000" kern="1200" dirty="0">
-                <a:solidFill>
-                  <a:srgbClr val="FF0000"/>
-                </a:solidFill>
-                <a:latin typeface="Arial" charset="0"/>
-                <a:ea typeface="ＭＳ ゴシック" pitchFamily="49" charset="-128"/>
-                <a:cs typeface="+mn-cs"/>
-              </a:endParaRPr>
-            </a:p>
-            <a:p>
-              <a:pPr marL="0" marR="0" indent="0" algn="l" defTabSz="914400" rtl="0" eaLnBrk="0" fontAlgn="base" latinLnBrk="0" hangingPunct="0">
-                <a:lnSpc>
-                  <a:spcPct val="100000"/>
-                </a:lnSpc>
-                <a:spcBef>
-                  <a:spcPct val="0"/>
-                </a:spcBef>
-                <a:spcAft>
-                  <a:spcPct val="0"/>
-                </a:spcAft>
-                <a:buClrTx/>
-                <a:buSzTx/>
-                <a:buFontTx/>
-                <a:buNone/>
-                <a:tabLst/>
-                <a:defRPr/>
-              </a:pPr>
-              <a:r>
-                <a:rPr kumimoji="1" lang="en-US" altLang="ja-JP" sz="1000" kern="1200" dirty="0">
-                  <a:solidFill>
-                    <a:srgbClr val="FF0000"/>
-                  </a:solidFill>
-                  <a:latin typeface="Arial" charset="0"/>
-                  <a:ea typeface="ＭＳ ゴシック" pitchFamily="49" charset="-128"/>
-                  <a:cs typeface="+mn-cs"/>
-                </a:rPr>
-                <a:t>If you use an image in the background for the presentation, </a:t>
-              </a:r>
-            </a:p>
-            <a:p>
-              <a:pPr marL="0" marR="0" indent="0" algn="l" defTabSz="914400" rtl="0" eaLnBrk="0" fontAlgn="base" latinLnBrk="0" hangingPunct="0">
-                <a:lnSpc>
-                  <a:spcPct val="100000"/>
-                </a:lnSpc>
-                <a:spcBef>
-                  <a:spcPct val="0"/>
-                </a:spcBef>
-                <a:spcAft>
-                  <a:spcPct val="0"/>
-                </a:spcAft>
-                <a:buClrTx/>
-                <a:buSzTx/>
-                <a:buFontTx/>
-                <a:buNone/>
-                <a:tabLst/>
-                <a:defRPr/>
-              </a:pPr>
-              <a:r>
-                <a:rPr kumimoji="1" lang="en-US" altLang="ja-JP" sz="1000" kern="1200" dirty="0">
-                  <a:solidFill>
-                    <a:srgbClr val="FF0000"/>
-                  </a:solidFill>
-                  <a:latin typeface="Arial" charset="0"/>
-                  <a:ea typeface="ＭＳ ゴシック" pitchFamily="49" charset="-128"/>
-                  <a:cs typeface="+mn-cs"/>
-                </a:rPr>
-                <a:t>you are able to extend the image to the below of the three colors line. </a:t>
-              </a:r>
-            </a:p>
-          </p:txBody>
-        </p:sp>
-      </p:grpSp>
       <p:sp>
         <p:nvSpPr>
           <p:cNvPr id="2" name="タイトル 1"/>
